--- a/Figures/VectorSynthesisedConstructorsExample.pptx
+++ b/Figures/VectorSynthesisedConstructorsExample.pptx
@@ -288,7 +288,7 @@
           <a:p>
             <a:fld id="{4A558CC7-AE26-7E43-876B-01B3BA766050}" type="datetimeFigureOut">
               <a:rPr lang="da-DK" smtClean="0"/>
-              <a:t>03/06/14</a:t>
+              <a:t>07/07/14</a:t>
             </a:fld>
             <a:endParaRPr lang="en-GB"/>
           </a:p>
@@ -458,7 +458,7 @@
           <a:p>
             <a:fld id="{4A558CC7-AE26-7E43-876B-01B3BA766050}" type="datetimeFigureOut">
               <a:rPr lang="da-DK" smtClean="0"/>
-              <a:t>03/06/14</a:t>
+              <a:t>07/07/14</a:t>
             </a:fld>
             <a:endParaRPr lang="en-GB"/>
           </a:p>
@@ -638,7 +638,7 @@
           <a:p>
             <a:fld id="{4A558CC7-AE26-7E43-876B-01B3BA766050}" type="datetimeFigureOut">
               <a:rPr lang="da-DK" smtClean="0"/>
-              <a:t>03/06/14</a:t>
+              <a:t>07/07/14</a:t>
             </a:fld>
             <a:endParaRPr lang="en-GB"/>
           </a:p>
@@ -808,7 +808,7 @@
           <a:p>
             <a:fld id="{4A558CC7-AE26-7E43-876B-01B3BA766050}" type="datetimeFigureOut">
               <a:rPr lang="da-DK" smtClean="0"/>
-              <a:t>03/06/14</a:t>
+              <a:t>07/07/14</a:t>
             </a:fld>
             <a:endParaRPr lang="en-GB"/>
           </a:p>
@@ -1054,7 +1054,7 @@
           <a:p>
             <a:fld id="{4A558CC7-AE26-7E43-876B-01B3BA766050}" type="datetimeFigureOut">
               <a:rPr lang="da-DK" smtClean="0"/>
-              <a:t>03/06/14</a:t>
+              <a:t>07/07/14</a:t>
             </a:fld>
             <a:endParaRPr lang="en-GB"/>
           </a:p>
@@ -1342,7 +1342,7 @@
           <a:p>
             <a:fld id="{4A558CC7-AE26-7E43-876B-01B3BA766050}" type="datetimeFigureOut">
               <a:rPr lang="da-DK" smtClean="0"/>
-              <a:t>03/06/14</a:t>
+              <a:t>07/07/14</a:t>
             </a:fld>
             <a:endParaRPr lang="en-GB"/>
           </a:p>
@@ -1764,7 +1764,7 @@
           <a:p>
             <a:fld id="{4A558CC7-AE26-7E43-876B-01B3BA766050}" type="datetimeFigureOut">
               <a:rPr lang="da-DK" smtClean="0"/>
-              <a:t>03/06/14</a:t>
+              <a:t>07/07/14</a:t>
             </a:fld>
             <a:endParaRPr lang="en-GB"/>
           </a:p>
@@ -1882,7 +1882,7 @@
           <a:p>
             <a:fld id="{4A558CC7-AE26-7E43-876B-01B3BA766050}" type="datetimeFigureOut">
               <a:rPr lang="da-DK" smtClean="0"/>
-              <a:t>03/06/14</a:t>
+              <a:t>07/07/14</a:t>
             </a:fld>
             <a:endParaRPr lang="en-GB"/>
           </a:p>
@@ -1977,7 +1977,7 @@
           <a:p>
             <a:fld id="{4A558CC7-AE26-7E43-876B-01B3BA766050}" type="datetimeFigureOut">
               <a:rPr lang="da-DK" smtClean="0"/>
-              <a:t>03/06/14</a:t>
+              <a:t>07/07/14</a:t>
             </a:fld>
             <a:endParaRPr lang="en-GB"/>
           </a:p>
@@ -2254,7 +2254,7 @@
           <a:p>
             <a:fld id="{4A558CC7-AE26-7E43-876B-01B3BA766050}" type="datetimeFigureOut">
               <a:rPr lang="da-DK" smtClean="0"/>
-              <a:t>03/06/14</a:t>
+              <a:t>07/07/14</a:t>
             </a:fld>
             <a:endParaRPr lang="en-GB"/>
           </a:p>
@@ -2507,7 +2507,7 @@
           <a:p>
             <a:fld id="{4A558CC7-AE26-7E43-876B-01B3BA766050}" type="datetimeFigureOut">
               <a:rPr lang="da-DK" smtClean="0"/>
-              <a:t>03/06/14</a:t>
+              <a:t>07/07/14</a:t>
             </a:fld>
             <a:endParaRPr lang="en-GB"/>
           </a:p>
@@ -2720,7 +2720,7 @@
           <a:p>
             <a:fld id="{4A558CC7-AE26-7E43-876B-01B3BA766050}" type="datetimeFigureOut">
               <a:rPr lang="da-DK" smtClean="0"/>
-              <a:t>03/06/14</a:t>
+              <a:t>07/07/14</a:t>
             </a:fld>
             <a:endParaRPr lang="en-GB"/>
           </a:p>
@@ -3261,6 +3261,19 @@
             <a:r>
               <a:rPr lang="en-GB" dirty="0" smtClean="0">
                 <a:solidFill>
+                  <a:schemeClr val="tx2">
+                    <a:lumMod val="60000"/>
+                    <a:lumOff val="40000"/>
+                  </a:schemeClr>
+                </a:solidFill>
+                <a:latin typeface="Lucida Console"/>
+                <a:cs typeface="Lucida Console"/>
+              </a:rPr>
+              <a:t>Nat </a:t>
+            </a:r>
+            <a:r>
+              <a:rPr lang="en-GB" dirty="0">
+                <a:solidFill>
                   <a:schemeClr val="accent4">
                     <a:lumMod val="60000"/>
                     <a:lumOff val="40000"/>
@@ -3270,6 +3283,55 @@
                 <a:cs typeface="Lucida Console"/>
               </a:rPr>
               <a:t>3</a:t>
+            </a:r>
+            <a:endParaRPr lang="en-GB" dirty="0" smtClean="0">
+              <a:solidFill>
+                <a:schemeClr val="tx2">
+                  <a:lumMod val="60000"/>
+                  <a:lumOff val="40000"/>
+                </a:schemeClr>
+              </a:solidFill>
+              <a:latin typeface="Lucida Console"/>
+              <a:cs typeface="Lucida Console"/>
+            </a:endParaRPr>
+          </a:p>
+          <a:p>
+            <a:r>
+              <a:rPr lang="en-GB" dirty="0" err="1">
+                <a:solidFill>
+                  <a:schemeClr val="accent2"/>
+                </a:solidFill>
+                <a:latin typeface="Lucida Console"/>
+                <a:cs typeface="Lucida Console"/>
+              </a:rPr>
+              <a:t>exampleVec</a:t>
+            </a:r>
+            <a:r>
+              <a:rPr lang="en-GB" dirty="0">
+                <a:solidFill>
+                  <a:schemeClr val="accent2"/>
+                </a:solidFill>
+                <a:latin typeface="Lucida Console"/>
+                <a:cs typeface="Lucida Console"/>
+              </a:rPr>
+              <a:t> </a:t>
+            </a:r>
+            <a:r>
+              <a:rPr lang="en-GB" dirty="0" smtClean="0">
+                <a:latin typeface="Lucida Console"/>
+                <a:cs typeface="Lucida Console"/>
+              </a:rPr>
+              <a:t>= </a:t>
+            </a:r>
+            <a:r>
+              <a:rPr lang="en-GB" dirty="0" smtClean="0">
+                <a:solidFill>
+                  <a:schemeClr val="accent2"/>
+                </a:solidFill>
+                <a:latin typeface="Lucida Console"/>
+                <a:cs typeface="Lucida Console"/>
+              </a:rPr>
+              <a:t>Cons</a:t>
             </a:r>
             <a:r>
               <a:rPr lang="en-GB" dirty="0" smtClean="0">
@@ -3281,7 +3343,7 @@
             <a:r>
               <a:rPr lang="en-GB" dirty="0" smtClean="0">
                 <a:solidFill>
-                  <a:schemeClr val="tx2">
+                  <a:schemeClr val="accent4">
                     <a:lumMod val="60000"/>
                     <a:lumOff val="40000"/>
                   </a:schemeClr>
@@ -3289,41 +3351,19 @@
                 <a:latin typeface="Lucida Console"/>
                 <a:cs typeface="Lucida Console"/>
               </a:rPr>
-              <a:t>Nat </a:t>
-            </a:r>
-          </a:p>
-          <a:p>
-            <a:r>
-              <a:rPr lang="en-GB" dirty="0" err="1">
-                <a:solidFill>
-                  <a:schemeClr val="accent2"/>
-                </a:solidFill>
-                <a:latin typeface="Lucida Console"/>
-                <a:cs typeface="Lucida Console"/>
-              </a:rPr>
-              <a:t>exampleVec</a:t>
-            </a:r>
-            <a:r>
-              <a:rPr lang="en-GB" dirty="0">
-                <a:solidFill>
-                  <a:schemeClr val="accent2"/>
-                </a:solidFill>
-                <a:latin typeface="Lucida Console"/>
-                <a:cs typeface="Lucida Console"/>
-              </a:rPr>
-              <a:t> </a:t>
+              <a:t>1</a:t>
             </a:r>
             <a:r>
               <a:rPr lang="en-GB" dirty="0" smtClean="0">
                 <a:latin typeface="Lucida Console"/>
                 <a:cs typeface="Lucida Console"/>
               </a:rPr>
-              <a:t>= </a:t>
+              <a:t> (</a:t>
             </a:r>
             <a:r>
               <a:rPr lang="en-GB" dirty="0" smtClean="0">
                 <a:solidFill>
-                  <a:schemeClr val="accent2"/>
+                  <a:srgbClr val="C0504D"/>
                 </a:solidFill>
                 <a:latin typeface="Lucida Console"/>
                 <a:cs typeface="Lucida Console"/>
@@ -3340,15 +3380,12 @@
             <a:r>
               <a:rPr lang="en-GB" dirty="0" smtClean="0">
                 <a:solidFill>
-                  <a:schemeClr val="accent4">
-                    <a:lumMod val="60000"/>
-                    <a:lumOff val="40000"/>
-                  </a:schemeClr>
+                  <a:srgbClr val="B3A2C7"/>
                 </a:solidFill>
                 <a:latin typeface="Lucida Console"/>
                 <a:cs typeface="Lucida Console"/>
               </a:rPr>
-              <a:t>1</a:t>
+              <a:t>2</a:t>
             </a:r>
             <a:r>
               <a:rPr lang="en-GB" dirty="0" smtClean="0">
@@ -3382,24 +3419,7 @@
                 <a:latin typeface="Lucida Console"/>
                 <a:cs typeface="Lucida Console"/>
               </a:rPr>
-              <a:t>2</a:t>
-            </a:r>
-            <a:r>
-              <a:rPr lang="en-GB" dirty="0" smtClean="0">
-                <a:latin typeface="Lucida Console"/>
-                <a:cs typeface="Lucida Console"/>
-              </a:rPr>
-              <a:t> (</a:t>
-            </a:r>
-            <a:r>
-              <a:rPr lang="en-GB" dirty="0" smtClean="0">
-                <a:solidFill>
-                  <a:srgbClr val="C0504D"/>
-                </a:solidFill>
-                <a:latin typeface="Lucida Console"/>
-                <a:cs typeface="Lucida Console"/>
-              </a:rPr>
-              <a:t>Cons</a:t>
+              <a:t>3</a:t>
             </a:r>
             <a:r>
               <a:rPr lang="en-GB" dirty="0" smtClean="0">
@@ -3411,23 +3431,6 @@
             <a:r>
               <a:rPr lang="en-GB" dirty="0" smtClean="0">
                 <a:solidFill>
-                  <a:srgbClr val="B3A2C7"/>
-                </a:solidFill>
-                <a:latin typeface="Lucida Console"/>
-                <a:cs typeface="Lucida Console"/>
-              </a:rPr>
-              <a:t>3</a:t>
-            </a:r>
-            <a:r>
-              <a:rPr lang="en-GB" dirty="0" smtClean="0">
-                <a:latin typeface="Lucida Console"/>
-                <a:cs typeface="Lucida Console"/>
-              </a:rPr>
-              <a:t> </a:t>
-            </a:r>
-            <a:r>
-              <a:rPr lang="en-GB" dirty="0" smtClean="0">
-                <a:solidFill>
                   <a:schemeClr val="accent2"/>
                 </a:solidFill>
                 <a:latin typeface="Lucida Console"/>
@@ -3442,10 +3445,6 @@
               </a:rPr>
               <a:t>))</a:t>
             </a:r>
-            <a:endParaRPr lang="en-GB" dirty="0" smtClean="0">
-              <a:latin typeface="Lucida Console"/>
-              <a:cs typeface="Lucida Console"/>
-            </a:endParaRPr>
           </a:p>
           <a:p>
             <a:r>
